--- a/Final_Presentation.pptx
+++ b/Final_Presentation.pptx
@@ -23774,17 +23774,7 @@
               <a:rPr lang="en-US" altLang="zh-CN" dirty="0">
                 <a:ea typeface="宋体" panose="02010600030101010101" pitchFamily="2" charset="-122"/>
               </a:rPr>
-              <a:t>Brute Force (</a:t>
-            </a:r>
-            <a:r>
-              <a:rPr lang="el-GR" altLang="zh-CN" dirty="0"/>
-              <a:t>Θ(</a:t>
-            </a:r>
-            <a:r>
-              <a:rPr lang="en-US" altLang="zh-CN" dirty="0">
-                <a:ea typeface="宋体" panose="02010600030101010101" pitchFamily="2" charset="-122"/>
-              </a:rPr>
-              <a:t>m n), difficult to accept)</a:t>
+              <a:t>Brute Force </a:t>
             </a:r>
           </a:p>
           <a:p>
@@ -23797,7 +23787,7 @@
             </a:r>
             <a:r>
               <a:rPr lang="el-GR" altLang="zh-CN" dirty="0"/>
-              <a:t> Θ(</a:t>
+              <a:t>Θ(</a:t>
             </a:r>
             <a:r>
               <a:rPr lang="en-US" altLang="zh-CN" dirty="0">
@@ -23977,7 +23967,7 @@
               <a:rPr lang="en-US" altLang="zh-CN" dirty="0">
                 <a:ea typeface="宋体" panose="02010600030101010101" pitchFamily="2" charset="-122"/>
               </a:rPr>
-              <a:t>	minimum in O(T/P). Skip impossible from back to front, pattern from last index.</a:t>
+              <a:t>	minimum in O(T/P). Skip impossible from back to front, compare with pattern from last index.</a:t>
             </a:r>
           </a:p>
           <a:p>
@@ -24140,10 +24130,16 @@
           <a:p>
             <a:pPr eaLnBrk="1"/>
             <a:r>
-              <a:rPr lang="en-US" altLang="zh-CN" dirty="0">
+              <a:rPr lang="en-US" altLang="zh-CN" sz="2800" dirty="0">
                 <a:ea typeface="宋体" panose="02010600030101010101" pitchFamily="2" charset="-122"/>
               </a:rPr>
-              <a:t>	Use SSE instruction compare 65536 possible in one instruction, only for P &gt;=32.</a:t>
+              <a:t>	</a:t>
+            </a:r>
+            <a:r>
+              <a:rPr lang="en-US" altLang="zh-CN" sz="2800" i="1" dirty="0">
+                <a:ea typeface="宋体" panose="02010600030101010101" pitchFamily="2" charset="-122"/>
+              </a:rPr>
+              <a:t>Use SSE instruction(something like _mm_movemask_epi8) compare 65536 possible in one instruction, only for P &gt;=32. </a:t>
             </a:r>
           </a:p>
           <a:p>
@@ -24158,7 +24154,7 @@
           <a:p>
             <a:pPr eaLnBrk="1"/>
             <a:r>
-              <a:rPr lang="en-US" altLang="zh-CN" dirty="0">
+              <a:rPr lang="en-US" altLang="zh-CN" sz="2800" i="1" dirty="0">
                 <a:ea typeface="宋体" panose="02010600030101010101" pitchFamily="2" charset="-122"/>
               </a:rPr>
               <a:t>	Use the memory bit parallel feature to compare text bit by bit.</a:t>
@@ -24179,9 +24175,15 @@
               <a:rPr lang="en-US" altLang="zh-CN" dirty="0">
                 <a:ea typeface="宋体" panose="02010600030101010101" pitchFamily="2" charset="-122"/>
               </a:rPr>
-              <a:t>	Use the SSE instruction to pack several text characters into a bit-word, and also use bit-parallelism to compare</a:t>
+              <a:t>	</a:t>
             </a:r>
-            <a:endParaRPr lang="zh-CN" altLang="en-US" dirty="0">
+            <a:r>
+              <a:rPr lang="en-US" altLang="zh-CN" sz="2800" i="1" dirty="0">
+                <a:ea typeface="宋体" panose="02010600030101010101" pitchFamily="2" charset="-122"/>
+              </a:rPr>
+              <a:t>Use the SSE instruction to pack several text characters into a bit-word, and also use bit-parallelism to compare</a:t>
+            </a:r>
+            <a:endParaRPr lang="zh-CN" altLang="en-US" sz="2800" i="1" dirty="0">
               <a:ea typeface="宋体" panose="02010600030101010101" pitchFamily="2" charset="-122"/>
             </a:endParaRPr>
           </a:p>
@@ -24594,6 +24596,15 @@
               <a:rPr lang="en-US" altLang="zh-CN" sz="2800" dirty="0">
                 <a:ea typeface="宋体" panose="02010600030101010101" pitchFamily="2" charset="-122"/>
               </a:rPr>
+              <a:t>	6 algorithm and their parallel version</a:t>
+            </a:r>
+          </a:p>
+          <a:p>
+            <a:pPr eaLnBrk="1"/>
+            <a:r>
+              <a:rPr lang="en-US" altLang="zh-CN" sz="2800" dirty="0">
+                <a:ea typeface="宋体" panose="02010600030101010101" pitchFamily="2" charset="-122"/>
+              </a:rPr>
               <a:t>Data set</a:t>
             </a:r>
           </a:p>
@@ -24603,7 +24614,7 @@
               <a:rPr lang="en-US" altLang="zh-CN" sz="2800" dirty="0">
                 <a:ea typeface="宋体" panose="02010600030101010101" pitchFamily="2" charset="-122"/>
               </a:rPr>
-              <a:t>	6 algorithm and their parallel version</a:t>
+              <a:t>	Natural language(bible)</a:t>
             </a:r>
           </a:p>
           <a:p>
@@ -24612,16 +24623,7 @@
               <a:rPr lang="en-US" altLang="zh-CN" sz="2800" dirty="0">
                 <a:ea typeface="宋体" panose="02010600030101010101" pitchFamily="2" charset="-122"/>
               </a:rPr>
-              <a:t>	Natural language</a:t>
-            </a:r>
-          </a:p>
-          <a:p>
-            <a:pPr eaLnBrk="1"/>
-            <a:r>
-              <a:rPr lang="en-US" altLang="zh-CN" sz="2800" dirty="0">
-                <a:ea typeface="宋体" panose="02010600030101010101" pitchFamily="2" charset="-122"/>
-              </a:rPr>
-              <a:t>	Genome files</a:t>
+              <a:t>	Genome data</a:t>
             </a:r>
           </a:p>
           <a:p>
@@ -25665,43 +25667,7 @@
                 </a:solidFill>
                 <a:ea typeface="宋体" panose="02010600030101010101" pitchFamily="2" charset="-122"/>
               </a:rPr>
-              <a:t>	This project research on string matching algorithms under different architectures, discusses applications and limitations on distributed systems. Realize and compare the String-Matching algorithm on </a:t>
-            </a:r>
-            <a:r>
-              <a:rPr lang="en-US" altLang="zh-CN" sz="2400" dirty="0" err="1">
-                <a:solidFill>
-                  <a:schemeClr val="tx1"/>
-                </a:solidFill>
-                <a:ea typeface="宋体" panose="02010600030101010101" pitchFamily="2" charset="-122"/>
-              </a:rPr>
-              <a:t>cpu</a:t>
-            </a:r>
-            <a:r>
-              <a:rPr lang="en-US" altLang="zh-CN" sz="2400" dirty="0">
-                <a:solidFill>
-                  <a:schemeClr val="tx1"/>
-                </a:solidFill>
-                <a:ea typeface="宋体" panose="02010600030101010101" pitchFamily="2" charset="-122"/>
-              </a:rPr>
-              <a:t> and </a:t>
-            </a:r>
-            <a:r>
-              <a:rPr lang="en-US" altLang="zh-CN" sz="2400" dirty="0" err="1">
-                <a:solidFill>
-                  <a:schemeClr val="tx1"/>
-                </a:solidFill>
-                <a:ea typeface="宋体" panose="02010600030101010101" pitchFamily="2" charset="-122"/>
-              </a:rPr>
-              <a:t>gpu</a:t>
-            </a:r>
-            <a:r>
-              <a:rPr lang="en-US" altLang="zh-CN" sz="2400" dirty="0">
-                <a:solidFill>
-                  <a:schemeClr val="tx1"/>
-                </a:solidFill>
-                <a:ea typeface="宋体" panose="02010600030101010101" pitchFamily="2" charset="-122"/>
-              </a:rPr>
-              <a:t>, then summarize the parallel ability of those algorithm.</a:t>
+              <a:t>	This project research on string matching algorithms under different architectures, discusses applications and limitations on distributed architecture. implement and compare the String-Matching algorithm on CPU and GPU, then summarize the parallel ability of those algorithm.</a:t>
             </a:r>
           </a:p>
           <a:p>
@@ -27373,7 +27339,7 @@
               <a:rPr lang="en-US" altLang="zh-CN" dirty="0">
                 <a:ea typeface="宋体" panose="02010600030101010101" pitchFamily="2" charset="-122"/>
               </a:rPr>
-              <a:t>	What is pattern and text?</a:t>
+              <a:t>	What is p and t?</a:t>
             </a:r>
           </a:p>
           <a:p>
@@ -27423,11 +27389,392 @@
           </a:p>
         </p:txBody>
       </p:sp>
+      <p:sp>
+        <p:nvSpPr>
+          <p:cNvPr id="2" name="文本框 1">
+            <a:extLst>
+              <a:ext uri="{FF2B5EF4-FFF2-40B4-BE49-F238E27FC236}">
+                <a16:creationId xmlns:a16="http://schemas.microsoft.com/office/drawing/2014/main" id="{741EF5EA-F0EE-5D23-36EA-054DBC70B0EE}"/>
+              </a:ext>
+            </a:extLst>
+          </p:cNvPr>
+          <p:cNvSpPr txBox="1"/>
+          <p:nvPr/>
+        </p:nvSpPr>
+        <p:spPr>
+          <a:xfrm>
+            <a:off x="5472360" y="2772708"/>
+            <a:ext cx="2160240" cy="369332"/>
+          </a:xfrm>
+          <a:prstGeom prst="rect">
+            <a:avLst/>
+          </a:prstGeom>
+          <a:noFill/>
+        </p:spPr>
+        <p:txBody>
+          <a:bodyPr wrap="square" rtlCol="0">
+            <a:spAutoFit/>
+          </a:bodyPr>
+          <a:lstStyle/>
+          <a:p>
+            <a:r>
+              <a:rPr lang="en-US" altLang="zh-CN" sz="1800" dirty="0">
+                <a:solidFill>
+                  <a:schemeClr val="tx1"/>
+                </a:solidFill>
+                <a:ea typeface="宋体" panose="02010600030101010101" pitchFamily="2" charset="-122"/>
+              </a:rPr>
+              <a:t>Pattern and text</a:t>
+            </a:r>
+            <a:endParaRPr lang="zh-CN" altLang="en-US" dirty="0">
+              <a:solidFill>
+                <a:schemeClr val="tx1"/>
+              </a:solidFill>
+            </a:endParaRPr>
+          </a:p>
+        </p:txBody>
+      </p:sp>
+      <p:sp>
+        <p:nvSpPr>
+          <p:cNvPr id="3" name="文本框 2">
+            <a:extLst>
+              <a:ext uri="{FF2B5EF4-FFF2-40B4-BE49-F238E27FC236}">
+                <a16:creationId xmlns:a16="http://schemas.microsoft.com/office/drawing/2014/main" id="{74467906-9CA1-5FA7-F45A-7A40AF7B3CF6}"/>
+              </a:ext>
+            </a:extLst>
+          </p:cNvPr>
+          <p:cNvSpPr txBox="1"/>
+          <p:nvPr/>
+        </p:nvSpPr>
+        <p:spPr>
+          <a:xfrm>
+            <a:off x="7714529" y="4574341"/>
+            <a:ext cx="1080120" cy="369332"/>
+          </a:xfrm>
+          <a:prstGeom prst="rect">
+            <a:avLst/>
+          </a:prstGeom>
+          <a:noFill/>
+        </p:spPr>
+        <p:txBody>
+          <a:bodyPr wrap="square" rtlCol="0">
+            <a:spAutoFit/>
+          </a:bodyPr>
+          <a:lstStyle/>
+          <a:p>
+            <a:r>
+              <a:rPr lang="en-US" altLang="zh-CN" dirty="0">
+                <a:solidFill>
+                  <a:schemeClr val="tx1"/>
+                </a:solidFill>
+              </a:rPr>
+              <a:t>6</a:t>
+            </a:r>
+            <a:endParaRPr lang="zh-CN" altLang="en-US" dirty="0">
+              <a:solidFill>
+                <a:schemeClr val="tx1"/>
+              </a:solidFill>
+            </a:endParaRPr>
+          </a:p>
+        </p:txBody>
+      </p:sp>
+      <p:sp>
+        <p:nvSpPr>
+          <p:cNvPr id="4" name="文本框 3">
+            <a:extLst>
+              <a:ext uri="{FF2B5EF4-FFF2-40B4-BE49-F238E27FC236}">
+                <a16:creationId xmlns:a16="http://schemas.microsoft.com/office/drawing/2014/main" id="{9E86EA40-4D50-2834-B77D-3D1965AED546}"/>
+              </a:ext>
+            </a:extLst>
+          </p:cNvPr>
+          <p:cNvSpPr txBox="1"/>
+          <p:nvPr/>
+        </p:nvSpPr>
+        <p:spPr>
+          <a:xfrm>
+            <a:off x="7704608" y="6084093"/>
+            <a:ext cx="1080120" cy="369332"/>
+          </a:xfrm>
+          <a:prstGeom prst="rect">
+            <a:avLst/>
+          </a:prstGeom>
+          <a:noFill/>
+        </p:spPr>
+        <p:txBody>
+          <a:bodyPr wrap="square" rtlCol="0">
+            <a:spAutoFit/>
+          </a:bodyPr>
+          <a:lstStyle/>
+          <a:p>
+            <a:r>
+              <a:rPr lang="en-US" altLang="zh-CN" dirty="0">
+                <a:solidFill>
+                  <a:schemeClr val="tx1"/>
+                </a:solidFill>
+              </a:rPr>
+              <a:t>EPSM</a:t>
+            </a:r>
+            <a:endParaRPr lang="zh-CN" altLang="en-US" dirty="0">
+              <a:solidFill>
+                <a:schemeClr val="tx1"/>
+              </a:solidFill>
+            </a:endParaRPr>
+          </a:p>
+        </p:txBody>
+      </p:sp>
     </p:spTree>
   </p:cSld>
   <p:clrMapOvr>
     <a:masterClrMapping/>
   </p:clrMapOvr>
+  <p:timing>
+    <p:tnLst>
+      <p:par>
+        <p:cTn id="1" dur="indefinite" restart="never" nodeType="tmRoot">
+          <p:childTnLst>
+            <p:seq concurrent="1" nextAc="seek">
+              <p:cTn id="2" dur="indefinite" nodeType="mainSeq">
+                <p:childTnLst>
+                  <p:par>
+                    <p:cTn id="3" fill="hold">
+                      <p:stCondLst>
+                        <p:cond delay="indefinite"/>
+                      </p:stCondLst>
+                      <p:childTnLst>
+                        <p:par>
+                          <p:cTn id="4" fill="hold">
+                            <p:stCondLst>
+                              <p:cond delay="0"/>
+                            </p:stCondLst>
+                            <p:childTnLst>
+                              <p:par>
+                                <p:cTn id="5" presetID="10" presetClass="entr" presetSubtype="0" fill="hold" grpId="0" nodeType="clickEffect">
+                                  <p:stCondLst>
+                                    <p:cond delay="0"/>
+                                  </p:stCondLst>
+                                  <p:childTnLst>
+                                    <p:set>
+                                      <p:cBhvr>
+                                        <p:cTn id="6" dur="1" fill="hold">
+                                          <p:stCondLst>
+                                            <p:cond delay="0"/>
+                                          </p:stCondLst>
+                                        </p:cTn>
+                                        <p:tgtEl>
+                                          <p:spTgt spid="27651"/>
+                                        </p:tgtEl>
+                                        <p:attrNameLst>
+                                          <p:attrName>style.visibility</p:attrName>
+                                        </p:attrNameLst>
+                                      </p:cBhvr>
+                                      <p:to>
+                                        <p:strVal val="visible"/>
+                                      </p:to>
+                                    </p:set>
+                                    <p:animEffect transition="in" filter="fade">
+                                      <p:cBhvr>
+                                        <p:cTn id="7" dur="500"/>
+                                        <p:tgtEl>
+                                          <p:spTgt spid="27651"/>
+                                        </p:tgtEl>
+                                      </p:cBhvr>
+                                    </p:animEffect>
+                                  </p:childTnLst>
+                                </p:cTn>
+                              </p:par>
+                            </p:childTnLst>
+                          </p:cTn>
+                        </p:par>
+                      </p:childTnLst>
+                    </p:cTn>
+                  </p:par>
+                  <p:par>
+                    <p:cTn id="8" fill="hold">
+                      <p:stCondLst>
+                        <p:cond delay="indefinite"/>
+                      </p:stCondLst>
+                      <p:childTnLst>
+                        <p:par>
+                          <p:cTn id="9" fill="hold">
+                            <p:stCondLst>
+                              <p:cond delay="0"/>
+                            </p:stCondLst>
+                            <p:childTnLst>
+                              <p:par>
+                                <p:cTn id="10" presetID="10" presetClass="entr" presetSubtype="0" fill="hold" grpId="0" nodeType="clickEffect">
+                                  <p:stCondLst>
+                                    <p:cond delay="0"/>
+                                  </p:stCondLst>
+                                  <p:childTnLst>
+                                    <p:set>
+                                      <p:cBhvr>
+                                        <p:cTn id="11" dur="1" fill="hold">
+                                          <p:stCondLst>
+                                            <p:cond delay="0"/>
+                                          </p:stCondLst>
+                                        </p:cTn>
+                                        <p:tgtEl>
+                                          <p:spTgt spid="2"/>
+                                        </p:tgtEl>
+                                        <p:attrNameLst>
+                                          <p:attrName>style.visibility</p:attrName>
+                                        </p:attrNameLst>
+                                      </p:cBhvr>
+                                      <p:to>
+                                        <p:strVal val="visible"/>
+                                      </p:to>
+                                    </p:set>
+                                    <p:animEffect transition="in" filter="fade">
+                                      <p:cBhvr>
+                                        <p:cTn id="12" dur="500"/>
+                                        <p:tgtEl>
+                                          <p:spTgt spid="2"/>
+                                        </p:tgtEl>
+                                      </p:cBhvr>
+                                    </p:animEffect>
+                                  </p:childTnLst>
+                                </p:cTn>
+                              </p:par>
+                            </p:childTnLst>
+                          </p:cTn>
+                        </p:par>
+                      </p:childTnLst>
+                    </p:cTn>
+                  </p:par>
+                  <p:par>
+                    <p:cTn id="13" fill="hold">
+                      <p:stCondLst>
+                        <p:cond delay="indefinite"/>
+                      </p:stCondLst>
+                      <p:childTnLst>
+                        <p:par>
+                          <p:cTn id="14" fill="hold">
+                            <p:stCondLst>
+                              <p:cond delay="0"/>
+                            </p:stCondLst>
+                            <p:childTnLst>
+                              <p:par>
+                                <p:cTn id="15" presetID="10" presetClass="entr" presetSubtype="0" fill="hold" grpId="0" nodeType="clickEffect">
+                                  <p:stCondLst>
+                                    <p:cond delay="0"/>
+                                  </p:stCondLst>
+                                  <p:childTnLst>
+                                    <p:set>
+                                      <p:cBhvr>
+                                        <p:cTn id="16" dur="1" fill="hold">
+                                          <p:stCondLst>
+                                            <p:cond delay="0"/>
+                                          </p:stCondLst>
+                                        </p:cTn>
+                                        <p:tgtEl>
+                                          <p:spTgt spid="3"/>
+                                        </p:tgtEl>
+                                        <p:attrNameLst>
+                                          <p:attrName>style.visibility</p:attrName>
+                                        </p:attrNameLst>
+                                      </p:cBhvr>
+                                      <p:to>
+                                        <p:strVal val="visible"/>
+                                      </p:to>
+                                    </p:set>
+                                    <p:animEffect transition="in" filter="fade">
+                                      <p:cBhvr>
+                                        <p:cTn id="17" dur="500"/>
+                                        <p:tgtEl>
+                                          <p:spTgt spid="3"/>
+                                        </p:tgtEl>
+                                      </p:cBhvr>
+                                    </p:animEffect>
+                                  </p:childTnLst>
+                                </p:cTn>
+                              </p:par>
+                            </p:childTnLst>
+                          </p:cTn>
+                        </p:par>
+                      </p:childTnLst>
+                    </p:cTn>
+                  </p:par>
+                  <p:par>
+                    <p:cTn id="18" fill="hold">
+                      <p:stCondLst>
+                        <p:cond delay="indefinite"/>
+                      </p:stCondLst>
+                      <p:childTnLst>
+                        <p:par>
+                          <p:cTn id="19" fill="hold">
+                            <p:stCondLst>
+                              <p:cond delay="0"/>
+                            </p:stCondLst>
+                            <p:childTnLst>
+                              <p:par>
+                                <p:cTn id="20" presetID="10" presetClass="entr" presetSubtype="0" fill="hold" grpId="0" nodeType="clickEffect">
+                                  <p:stCondLst>
+                                    <p:cond delay="0"/>
+                                  </p:stCondLst>
+                                  <p:childTnLst>
+                                    <p:set>
+                                      <p:cBhvr>
+                                        <p:cTn id="21" dur="1" fill="hold">
+                                          <p:stCondLst>
+                                            <p:cond delay="0"/>
+                                          </p:stCondLst>
+                                        </p:cTn>
+                                        <p:tgtEl>
+                                          <p:spTgt spid="4"/>
+                                        </p:tgtEl>
+                                        <p:attrNameLst>
+                                          <p:attrName>style.visibility</p:attrName>
+                                        </p:attrNameLst>
+                                      </p:cBhvr>
+                                      <p:to>
+                                        <p:strVal val="visible"/>
+                                      </p:to>
+                                    </p:set>
+                                    <p:animEffect transition="in" filter="fade">
+                                      <p:cBhvr>
+                                        <p:cTn id="22" dur="500"/>
+                                        <p:tgtEl>
+                                          <p:spTgt spid="4"/>
+                                        </p:tgtEl>
+                                      </p:cBhvr>
+                                    </p:animEffect>
+                                  </p:childTnLst>
+                                </p:cTn>
+                              </p:par>
+                            </p:childTnLst>
+                          </p:cTn>
+                        </p:par>
+                      </p:childTnLst>
+                    </p:cTn>
+                  </p:par>
+                </p:childTnLst>
+              </p:cTn>
+              <p:prevCondLst>
+                <p:cond evt="onPrev" delay="0">
+                  <p:tgtEl>
+                    <p:sldTgt/>
+                  </p:tgtEl>
+                </p:cond>
+              </p:prevCondLst>
+              <p:nextCondLst>
+                <p:cond evt="onNext" delay="0">
+                  <p:tgtEl>
+                    <p:sldTgt/>
+                  </p:tgtEl>
+                </p:cond>
+              </p:nextCondLst>
+            </p:seq>
+          </p:childTnLst>
+        </p:cTn>
+      </p:par>
+    </p:tnLst>
+    <p:bldLst>
+      <p:bldP spid="27651" grpId="0"/>
+      <p:bldP spid="2" grpId="0"/>
+      <p:bldP spid="3" grpId="0"/>
+      <p:bldP spid="4" grpId="0"/>
+    </p:bldLst>
+  </p:timing>
 </p:sld>
 </file>
 
@@ -28292,19 +28639,7 @@
                 <a:latin typeface="-apple-system"/>
                 <a:ea typeface="宋体" panose="02010600030101010101" pitchFamily="2" charset="-122"/>
               </a:rPr>
-              <a:t>	String matching using CUDA</a:t>
-            </a:r>
-          </a:p>
-          <a:p>
-            <a:r>
-              <a:rPr lang="en-US" altLang="zh-CN" sz="2800" dirty="0">
-                <a:solidFill>
-                  <a:srgbClr val="333333"/>
-                </a:solidFill>
-                <a:latin typeface="-apple-system"/>
-                <a:ea typeface="宋体" panose="02010600030101010101" pitchFamily="2" charset="-122"/>
-              </a:rPr>
-              <a:t>	First Bit-Parallel String-Matching Algorithm over GPU</a:t>
+              <a:t>	Bit-Parallel String-Matching Algorithm over GPU</a:t>
             </a:r>
           </a:p>
         </p:txBody>
@@ -31745,6 +32080,15 @@
               <a:t>	Bit parallel could compare bit data in one instruction</a:t>
             </a:r>
           </a:p>
+          <a:p>
+            <a:pPr eaLnBrk="1"/>
+            <a:r>
+              <a:rPr lang="en-US" altLang="zh-CN" dirty="0">
+                <a:ea typeface="宋体" panose="02010600030101010101" pitchFamily="2" charset="-122"/>
+              </a:rPr>
+              <a:t>	Coexist with parallel algorithms.</a:t>
+            </a:r>
+          </a:p>
         </p:txBody>
       </p:sp>
     </p:spTree>
@@ -32075,7 +32419,7 @@
               <a:rPr lang="en-US" altLang="zh-CN" dirty="0" err="1">
                 <a:ea typeface="宋体" panose="02010600030101010101" pitchFamily="2" charset="-122"/>
               </a:rPr>
-              <a:t>simular</a:t>
+              <a:t>Simular</a:t>
             </a:r>
             <a:r>
               <a:rPr lang="en-US" altLang="zh-CN" dirty="0">
@@ -32090,7 +32434,7 @@
               <a:rPr lang="en-US" altLang="zh-CN" dirty="0">
                 <a:ea typeface="宋体" panose="02010600030101010101" pitchFamily="2" charset="-122"/>
               </a:rPr>
-              <a:t>	slice use thread pool</a:t>
+              <a:t>	Slice use thread pool</a:t>
             </a:r>
           </a:p>
           <a:p>
@@ -32099,7 +32443,7 @@
               <a:rPr lang="en-US" altLang="zh-CN" dirty="0">
                 <a:ea typeface="宋体" panose="02010600030101010101" pitchFamily="2" charset="-122"/>
               </a:rPr>
-              <a:t>	Only brute force algorithm and KR algorithm can be parallelized</a:t>
+              <a:t>	Only brute force algorithm and KR algorithm can be parallelized their action.</a:t>
             </a:r>
           </a:p>
         </p:txBody>

--- a/Final_Presentation.pptx
+++ b/Final_Presentation.pptx
@@ -26793,7 +26793,7 @@
               <a:rPr lang="en-US" altLang="zh-CN" sz="2400" dirty="0">
                 <a:ea typeface="宋体" panose="02010600030101010101" pitchFamily="2" charset="-122"/>
               </a:rPr>
-              <a:t> in the brute-force algorithm, on average a quadruple speedup. The general algorithm only has a 2x speedup on the GPU.</a:t>
+              <a:t> in the brute-force algorithm, on average a 4x speedup. The general algorithm only has a 2x speedup on the GPU.</a:t>
             </a:r>
           </a:p>
           <a:p>
@@ -26802,7 +26802,19 @@
               <a:rPr lang="en-US" altLang="zh-CN" sz="2400" dirty="0">
                 <a:ea typeface="宋体" panose="02010600030101010101" pitchFamily="2" charset="-122"/>
               </a:rPr>
-              <a:t>	Most algorithms can benefit from CPU parallelism except for EPSM. achieving 3-10 times speedup in 16 threads. In the worst case EPSM can also benefit from parallelism.</a:t>
+              <a:t>	Most algorithms can benefit from CPU parallelism except for EPSM. </a:t>
+            </a:r>
+            <a:r>
+              <a:rPr lang="en-US" altLang="zh-CN" sz="2400">
+                <a:ea typeface="宋体" panose="02010600030101010101" pitchFamily="2" charset="-122"/>
+              </a:rPr>
+              <a:t>achieving 3-10x speedup </a:t>
+            </a:r>
+            <a:r>
+              <a:rPr lang="en-US" altLang="zh-CN" sz="2400" dirty="0">
+                <a:ea typeface="宋体" panose="02010600030101010101" pitchFamily="2" charset="-122"/>
+              </a:rPr>
+              <a:t>in 16 threads. In the worst case EPSM can also benefit from parallelism.</a:t>
             </a:r>
           </a:p>
         </p:txBody>

--- a/Final_Presentation.pptx
+++ b/Final_Presentation.pptx
@@ -26772,7 +26772,7 @@
               <a:rPr lang="en-US" altLang="zh-CN" sz="2400" dirty="0">
                 <a:ea typeface="宋体" panose="02010600030101010101" pitchFamily="2" charset="-122"/>
               </a:rPr>
-              <a:t>	The pattern part affects the matching efficiency, especially in the algorithm using bit parallel and the brute force algorithm. In short patterns, EPSM has the best efficiency in most cases. SSEF is best on average in long patterns.</a:t>
+              <a:t>	The pattern part affects the matching efficiency, especially in the algorithm using bit parallel and the brute force algorithm. In short patterns, EPSM has the best efficiency in most cases, but not parallel speedup. SSEF is best on average in long patterns and with speedup linearly.</a:t>
             </a:r>
           </a:p>
           <a:p>
@@ -26802,19 +26802,7 @@
               <a:rPr lang="en-US" altLang="zh-CN" sz="2400" dirty="0">
                 <a:ea typeface="宋体" panose="02010600030101010101" pitchFamily="2" charset="-122"/>
               </a:rPr>
-              <a:t>	Most algorithms can benefit from CPU parallelism except for EPSM. </a:t>
-            </a:r>
-            <a:r>
-              <a:rPr lang="en-US" altLang="zh-CN" sz="2400">
-                <a:ea typeface="宋体" panose="02010600030101010101" pitchFamily="2" charset="-122"/>
-              </a:rPr>
-              <a:t>achieving 3-10x speedup </a:t>
-            </a:r>
-            <a:r>
-              <a:rPr lang="en-US" altLang="zh-CN" sz="2400" dirty="0">
-                <a:ea typeface="宋体" panose="02010600030101010101" pitchFamily="2" charset="-122"/>
-              </a:rPr>
-              <a:t>in 16 threads. In the worst case EPSM can also benefit from parallelism.</a:t>
+              <a:t>	Most algorithms can benefit from CPU parallelism except for EPSM. achieving 3-10x speedup in 16 threads. In the worst case EPSM can also benefit from parallelism.</a:t>
             </a:r>
           </a:p>
         </p:txBody>

--- a/Final_Presentation.pptx
+++ b/Final_Presentation.pptx
@@ -24605,8 +24605,17 @@
               <a:rPr lang="en-US" altLang="zh-CN" sz="2800" dirty="0">
                 <a:ea typeface="宋体" panose="02010600030101010101" pitchFamily="2" charset="-122"/>
               </a:rPr>
-              <a:t>Data set</a:t>
+              <a:t>Data set (load </a:t>
             </a:r>
+            <a:r>
+              <a:rPr lang="en-US" altLang="zh-CN" sz="2800">
+                <a:ea typeface="宋体" panose="02010600030101010101" pitchFamily="2" charset="-122"/>
+              </a:rPr>
+              <a:t>to memory)</a:t>
+            </a:r>
+            <a:endParaRPr lang="en-US" altLang="zh-CN" sz="2800" dirty="0">
+              <a:ea typeface="宋体" panose="02010600030101010101" pitchFamily="2" charset="-122"/>
+            </a:endParaRPr>
           </a:p>
           <a:p>
             <a:pPr eaLnBrk="1"/>

--- a/Final_Presentation.pptx
+++ b/Final_Presentation.pptx
@@ -12185,7 +12185,7 @@
         <a:p>
           <a:r>
             <a:rPr lang="en-US" altLang="zh-CN" dirty="0"/>
-            <a:t>slice1</a:t>
+            <a:t>index1</a:t>
           </a:r>
           <a:endParaRPr lang="zh-CN" altLang="en-US" dirty="0"/>
         </a:p>
@@ -12222,7 +12222,7 @@
         <a:p>
           <a:r>
             <a:rPr lang="en-US" altLang="zh-CN" dirty="0"/>
-            <a:t>slice2</a:t>
+            <a:t>index2</a:t>
           </a:r>
           <a:endParaRPr lang="zh-CN" altLang="en-US" dirty="0"/>
         </a:p>
@@ -12258,8 +12258,8 @@
         <a:lstStyle/>
         <a:p>
           <a:r>
-            <a:rPr lang="en-US" altLang="zh-CN" dirty="0"/>
-            <a:t>slice3</a:t>
+            <a:rPr lang="en-US" altLang="zh-CN"/>
+            <a:t>index3</a:t>
           </a:r>
           <a:endParaRPr lang="zh-CN" altLang="en-US" dirty="0"/>
         </a:p>
@@ -13547,7 +13547,7 @@
           </a:pPr>
           <a:r>
             <a:rPr lang="en-US" altLang="zh-CN" sz="2100" kern="1200" dirty="0"/>
-            <a:t>slice1</a:t>
+            <a:t>index1</a:t>
           </a:r>
           <a:endParaRPr lang="zh-CN" altLang="en-US" sz="2100" kern="1200" dirty="0"/>
         </a:p>
@@ -13626,7 +13626,7 @@
           </a:pPr>
           <a:r>
             <a:rPr lang="en-US" altLang="zh-CN" sz="2100" kern="1200" dirty="0"/>
-            <a:t>slice2</a:t>
+            <a:t>index2</a:t>
           </a:r>
           <a:endParaRPr lang="zh-CN" altLang="en-US" sz="2100" kern="1200" dirty="0"/>
         </a:p>
@@ -13704,8 +13704,8 @@
             <a:buNone/>
           </a:pPr>
           <a:r>
-            <a:rPr lang="en-US" altLang="zh-CN" sz="2100" kern="1200" dirty="0"/>
-            <a:t>slice3</a:t>
+            <a:rPr lang="en-US" altLang="zh-CN" sz="2100" kern="1200"/>
+            <a:t>index3</a:t>
           </a:r>
           <a:endParaRPr lang="zh-CN" altLang="en-US" sz="2100" kern="1200" dirty="0"/>
         </a:p>
@@ -24605,17 +24605,8 @@
               <a:rPr lang="en-US" altLang="zh-CN" sz="2800" dirty="0">
                 <a:ea typeface="宋体" panose="02010600030101010101" pitchFamily="2" charset="-122"/>
               </a:rPr>
-              <a:t>Data set (load </a:t>
+              <a:t>Data set (load to memory)</a:t>
             </a:r>
-            <a:r>
-              <a:rPr lang="en-US" altLang="zh-CN" sz="2800">
-                <a:ea typeface="宋体" panose="02010600030101010101" pitchFamily="2" charset="-122"/>
-              </a:rPr>
-              <a:t>to memory)</a:t>
-            </a:r>
-            <a:endParaRPr lang="en-US" altLang="zh-CN" sz="2800" dirty="0">
-              <a:ea typeface="宋体" panose="02010600030101010101" pitchFamily="2" charset="-122"/>
-            </a:endParaRPr>
           </a:p>
           <a:p>
             <a:pPr eaLnBrk="1"/>
@@ -31041,7 +31032,7 @@
             <p:nvPr>
               <p:extLst>
                 <p:ext uri="{D42A27DB-BD31-4B8C-83A1-F6EECF244321}">
-                  <p14:modId xmlns:p14="http://schemas.microsoft.com/office/powerpoint/2010/main" val="296049694"/>
+                  <p14:modId xmlns:p14="http://schemas.microsoft.com/office/powerpoint/2010/main" val="1613041957"/>
                 </p:ext>
               </p:extLst>
             </p:nvPr>

--- a/Final_Presentation.pptx
+++ b/Final_Presentation.pptx
@@ -12258,7 +12258,7 @@
         <a:lstStyle/>
         <a:p>
           <a:r>
-            <a:rPr lang="en-US" altLang="zh-CN"/>
+            <a:rPr lang="en-US" altLang="zh-CN" dirty="0"/>
             <a:t>index3</a:t>
           </a:r>
           <a:endParaRPr lang="zh-CN" altLang="en-US" dirty="0"/>
@@ -13704,7 +13704,7 @@
             <a:buNone/>
           </a:pPr>
           <a:r>
-            <a:rPr lang="en-US" altLang="zh-CN" sz="2100" kern="1200"/>
+            <a:rPr lang="en-US" altLang="zh-CN" sz="2100" kern="1200" dirty="0"/>
             <a:t>index3</a:t>
           </a:r>
           <a:endParaRPr lang="zh-CN" altLang="en-US" sz="2100" kern="1200" dirty="0"/>
@@ -24566,10 +24566,10 @@
               <a:t> 	CPU parallel algorithm compile with </a:t>
             </a:r>
             <a:r>
-              <a:rPr lang="en-US" altLang="zh-CN" sz="2800" dirty="0" err="1">
+              <a:rPr lang="en-US" altLang="zh-CN" sz="2800">
                 <a:ea typeface="宋体" panose="02010600030101010101" pitchFamily="2" charset="-122"/>
               </a:rPr>
-              <a:t>cilk</a:t>
+              <a:t>opencilk</a:t>
             </a:r>
             <a:r>
               <a:rPr lang="en-US" altLang="zh-CN" sz="2800" dirty="0">

--- a/Final_Presentation.pptx
+++ b/Final_Presentation.pptx
@@ -24566,7 +24566,7 @@
               <a:t> 	CPU parallel algorithm compile with </a:t>
             </a:r>
             <a:r>
-              <a:rPr lang="en-US" altLang="zh-CN" sz="2800">
+              <a:rPr lang="en-US" altLang="zh-CN" sz="2800" dirty="0" err="1">
                 <a:ea typeface="宋体" panose="02010600030101010101" pitchFamily="2" charset="-122"/>
               </a:rPr>
               <a:t>opencilk</a:t>
@@ -24740,7 +24740,7 @@
         <p:spPr>
           <a:xfrm>
             <a:off x="6613215" y="1650955"/>
-            <a:ext cx="3384376" cy="369332"/>
+            <a:ext cx="3384376" cy="646331"/>
           </a:xfrm>
           <a:prstGeom prst="rect">
             <a:avLst/>
@@ -24759,7 +24759,7 @@
                   <a:schemeClr val="tx1"/>
                 </a:solidFill>
               </a:rPr>
-              <a:t>Runtime, the smaller is better</a:t>
+              <a:t>Function Runtime, the smaller is better</a:t>
             </a:r>
             <a:endParaRPr lang="zh-CN" altLang="en-US" dirty="0">
               <a:solidFill>
@@ -24872,7 +24872,7 @@
         <p:spPr>
           <a:xfrm>
             <a:off x="6613215" y="1650955"/>
-            <a:ext cx="3384376" cy="369332"/>
+            <a:ext cx="3384376" cy="646331"/>
           </a:xfrm>
           <a:prstGeom prst="rect">
             <a:avLst/>
@@ -24891,7 +24891,7 @@
                   <a:schemeClr val="tx1"/>
                 </a:solidFill>
               </a:rPr>
-              <a:t>Runtime, the smaller is better</a:t>
+              <a:t>Function Runtime, the smaller is better</a:t>
             </a:r>
             <a:endParaRPr lang="zh-CN" altLang="en-US" dirty="0">
               <a:solidFill>
@@ -25051,7 +25051,7 @@
         <p:spPr>
           <a:xfrm>
             <a:off x="6613215" y="1650955"/>
-            <a:ext cx="3384376" cy="369332"/>
+            <a:ext cx="3384376" cy="646331"/>
           </a:xfrm>
           <a:prstGeom prst="rect">
             <a:avLst/>
@@ -25070,7 +25070,7 @@
                   <a:schemeClr val="tx1"/>
                 </a:solidFill>
               </a:rPr>
-              <a:t>Runtime, the smaller is better</a:t>
+              <a:t>Function Runtime, the smaller is better</a:t>
             </a:r>
             <a:endParaRPr lang="zh-CN" altLang="en-US" dirty="0">
               <a:solidFill>
@@ -25181,8 +25181,8 @@
         </p:nvSpPr>
         <p:spPr>
           <a:xfrm>
-            <a:off x="6613215" y="1650955"/>
-            <a:ext cx="3384376" cy="369332"/>
+            <a:off x="6419490" y="1403573"/>
+            <a:ext cx="3661135" cy="646331"/>
           </a:xfrm>
           <a:prstGeom prst="rect">
             <a:avLst/>
@@ -25201,7 +25201,7 @@
                   <a:schemeClr val="tx1"/>
                 </a:solidFill>
               </a:rPr>
-              <a:t>Runtime, the smaller is better</a:t>
+              <a:t>Function Runtime, the smaller is better</a:t>
             </a:r>
             <a:endParaRPr lang="zh-CN" altLang="en-US" dirty="0">
               <a:solidFill>
